--- a/promo/Presentation.pptx
+++ b/promo/Presentation.pptx
@@ -12,7 +12,7 @@
     <p:sldId id="258" r:id="rId6"/>
   </p:sldIdLst>
   <p:sldSz cx="9144000" cy="6858000" type="screen4x3"/>
-  <p:notesSz cx="6858000" cy="9144000"/>
+  <p:notesSz cx="7104063" cy="10234613"/>
   <p:defaultTextStyle>
     <a:defPPr>
       <a:defRPr lang="cs-CZ"/>
@@ -292,7 +292,8 @@
           <a:p>
             <a:fld id="{A2CC4868-2D33-485B-847E-48E4CD82DC28}" type="datetimeFigureOut">
               <a:rPr lang="cs-CZ" smtClean="0"/>
-              <a:t>05.11.2018</a:t>
+              <a:pPr/>
+              <a:t>06.11.2018</a:t>
             </a:fld>
             <a:endParaRPr lang="cs-CZ"/>
           </a:p>
@@ -334,6 +335,7 @@
           <a:p>
             <a:fld id="{48696B2D-0EC8-497F-9BE7-9AFC877D9F9B}" type="slidenum">
               <a:rPr lang="cs-CZ" smtClean="0"/>
+              <a:pPr/>
               <a:t>‹#›</a:t>
             </a:fld>
             <a:endParaRPr lang="cs-CZ"/>
@@ -457,7 +459,8 @@
           <a:p>
             <a:fld id="{A2CC4868-2D33-485B-847E-48E4CD82DC28}" type="datetimeFigureOut">
               <a:rPr lang="cs-CZ" smtClean="0"/>
-              <a:t>05.11.2018</a:t>
+              <a:pPr/>
+              <a:t>06.11.2018</a:t>
             </a:fld>
             <a:endParaRPr lang="cs-CZ"/>
           </a:p>
@@ -499,6 +502,7 @@
           <a:p>
             <a:fld id="{48696B2D-0EC8-497F-9BE7-9AFC877D9F9B}" type="slidenum">
               <a:rPr lang="cs-CZ" smtClean="0"/>
+              <a:pPr/>
               <a:t>‹#›</a:t>
             </a:fld>
             <a:endParaRPr lang="cs-CZ"/>
@@ -632,7 +636,8 @@
           <a:p>
             <a:fld id="{A2CC4868-2D33-485B-847E-48E4CD82DC28}" type="datetimeFigureOut">
               <a:rPr lang="cs-CZ" smtClean="0"/>
-              <a:t>05.11.2018</a:t>
+              <a:pPr/>
+              <a:t>06.11.2018</a:t>
             </a:fld>
             <a:endParaRPr lang="cs-CZ"/>
           </a:p>
@@ -674,6 +679,7 @@
           <a:p>
             <a:fld id="{48696B2D-0EC8-497F-9BE7-9AFC877D9F9B}" type="slidenum">
               <a:rPr lang="cs-CZ" smtClean="0"/>
+              <a:pPr/>
               <a:t>‹#›</a:t>
             </a:fld>
             <a:endParaRPr lang="cs-CZ"/>
@@ -797,7 +803,8 @@
           <a:p>
             <a:fld id="{A2CC4868-2D33-485B-847E-48E4CD82DC28}" type="datetimeFigureOut">
               <a:rPr lang="cs-CZ" smtClean="0"/>
-              <a:t>05.11.2018</a:t>
+              <a:pPr/>
+              <a:t>06.11.2018</a:t>
             </a:fld>
             <a:endParaRPr lang="cs-CZ"/>
           </a:p>
@@ -839,6 +846,7 @@
           <a:p>
             <a:fld id="{48696B2D-0EC8-497F-9BE7-9AFC877D9F9B}" type="slidenum">
               <a:rPr lang="cs-CZ" smtClean="0"/>
+              <a:pPr/>
               <a:t>‹#›</a:t>
             </a:fld>
             <a:endParaRPr lang="cs-CZ"/>
@@ -1038,7 +1046,8 @@
           <a:p>
             <a:fld id="{A2CC4868-2D33-485B-847E-48E4CD82DC28}" type="datetimeFigureOut">
               <a:rPr lang="cs-CZ" smtClean="0"/>
-              <a:t>05.11.2018</a:t>
+              <a:pPr/>
+              <a:t>06.11.2018</a:t>
             </a:fld>
             <a:endParaRPr lang="cs-CZ"/>
           </a:p>
@@ -1080,6 +1089,7 @@
           <a:p>
             <a:fld id="{48696B2D-0EC8-497F-9BE7-9AFC877D9F9B}" type="slidenum">
               <a:rPr lang="cs-CZ" smtClean="0"/>
+              <a:pPr/>
               <a:t>‹#›</a:t>
             </a:fld>
             <a:endParaRPr lang="cs-CZ"/>
@@ -1321,7 +1331,8 @@
           <a:p>
             <a:fld id="{A2CC4868-2D33-485B-847E-48E4CD82DC28}" type="datetimeFigureOut">
               <a:rPr lang="cs-CZ" smtClean="0"/>
-              <a:t>05.11.2018</a:t>
+              <a:pPr/>
+              <a:t>06.11.2018</a:t>
             </a:fld>
             <a:endParaRPr lang="cs-CZ"/>
           </a:p>
@@ -1363,6 +1374,7 @@
           <a:p>
             <a:fld id="{48696B2D-0EC8-497F-9BE7-9AFC877D9F9B}" type="slidenum">
               <a:rPr lang="cs-CZ" smtClean="0"/>
+              <a:pPr/>
               <a:t>‹#›</a:t>
             </a:fld>
             <a:endParaRPr lang="cs-CZ"/>
@@ -1738,7 +1750,8 @@
           <a:p>
             <a:fld id="{A2CC4868-2D33-485B-847E-48E4CD82DC28}" type="datetimeFigureOut">
               <a:rPr lang="cs-CZ" smtClean="0"/>
-              <a:t>05.11.2018</a:t>
+              <a:pPr/>
+              <a:t>06.11.2018</a:t>
             </a:fld>
             <a:endParaRPr lang="cs-CZ"/>
           </a:p>
@@ -1780,6 +1793,7 @@
           <a:p>
             <a:fld id="{48696B2D-0EC8-497F-9BE7-9AFC877D9F9B}" type="slidenum">
               <a:rPr lang="cs-CZ" smtClean="0"/>
+              <a:pPr/>
               <a:t>‹#›</a:t>
             </a:fld>
             <a:endParaRPr lang="cs-CZ"/>
@@ -1851,7 +1865,8 @@
           <a:p>
             <a:fld id="{A2CC4868-2D33-485B-847E-48E4CD82DC28}" type="datetimeFigureOut">
               <a:rPr lang="cs-CZ" smtClean="0"/>
-              <a:t>05.11.2018</a:t>
+              <a:pPr/>
+              <a:t>06.11.2018</a:t>
             </a:fld>
             <a:endParaRPr lang="cs-CZ"/>
           </a:p>
@@ -1893,6 +1908,7 @@
           <a:p>
             <a:fld id="{48696B2D-0EC8-497F-9BE7-9AFC877D9F9B}" type="slidenum">
               <a:rPr lang="cs-CZ" smtClean="0"/>
+              <a:pPr/>
               <a:t>‹#›</a:t>
             </a:fld>
             <a:endParaRPr lang="cs-CZ"/>
@@ -1941,7 +1957,8 @@
           <a:p>
             <a:fld id="{A2CC4868-2D33-485B-847E-48E4CD82DC28}" type="datetimeFigureOut">
               <a:rPr lang="cs-CZ" smtClean="0"/>
-              <a:t>05.11.2018</a:t>
+              <a:pPr/>
+              <a:t>06.11.2018</a:t>
             </a:fld>
             <a:endParaRPr lang="cs-CZ"/>
           </a:p>
@@ -1983,6 +2000,7 @@
           <a:p>
             <a:fld id="{48696B2D-0EC8-497F-9BE7-9AFC877D9F9B}" type="slidenum">
               <a:rPr lang="cs-CZ" smtClean="0"/>
+              <a:pPr/>
               <a:t>‹#›</a:t>
             </a:fld>
             <a:endParaRPr lang="cs-CZ"/>
@@ -2213,7 +2231,8 @@
           <a:p>
             <a:fld id="{A2CC4868-2D33-485B-847E-48E4CD82DC28}" type="datetimeFigureOut">
               <a:rPr lang="cs-CZ" smtClean="0"/>
-              <a:t>05.11.2018</a:t>
+              <a:pPr/>
+              <a:t>06.11.2018</a:t>
             </a:fld>
             <a:endParaRPr lang="cs-CZ"/>
           </a:p>
@@ -2255,6 +2274,7 @@
           <a:p>
             <a:fld id="{48696B2D-0EC8-497F-9BE7-9AFC877D9F9B}" type="slidenum">
               <a:rPr lang="cs-CZ" smtClean="0"/>
+              <a:pPr/>
               <a:t>‹#›</a:t>
             </a:fld>
             <a:endParaRPr lang="cs-CZ"/>
@@ -2461,7 +2481,8 @@
           <a:p>
             <a:fld id="{A2CC4868-2D33-485B-847E-48E4CD82DC28}" type="datetimeFigureOut">
               <a:rPr lang="cs-CZ" smtClean="0"/>
-              <a:t>05.11.2018</a:t>
+              <a:pPr/>
+              <a:t>06.11.2018</a:t>
             </a:fld>
             <a:endParaRPr lang="cs-CZ"/>
           </a:p>
@@ -2503,6 +2524,7 @@
           <a:p>
             <a:fld id="{48696B2D-0EC8-497F-9BE7-9AFC877D9F9B}" type="slidenum">
               <a:rPr lang="cs-CZ" smtClean="0"/>
+              <a:pPr/>
               <a:t>‹#›</a:t>
             </a:fld>
             <a:endParaRPr lang="cs-CZ"/>
@@ -2669,7 +2691,8 @@
           <a:p>
             <a:fld id="{A2CC4868-2D33-485B-847E-48E4CD82DC28}" type="datetimeFigureOut">
               <a:rPr lang="cs-CZ" smtClean="0"/>
-              <a:t>05.11.2018</a:t>
+              <a:pPr/>
+              <a:t>06.11.2018</a:t>
             </a:fld>
             <a:endParaRPr lang="cs-CZ"/>
           </a:p>
@@ -2747,6 +2770,7 @@
           <a:p>
             <a:fld id="{48696B2D-0EC8-497F-9BE7-9AFC877D9F9B}" type="slidenum">
               <a:rPr lang="cs-CZ" smtClean="0"/>
+              <a:pPr/>
               <a:t>‹#›</a:t>
             </a:fld>
             <a:endParaRPr lang="cs-CZ"/>
@@ -3302,14 +3326,14 @@
       </p:grpSpPr>
       <p:pic>
         <p:nvPicPr>
-          <p:cNvPr id="1026" name="Picture 2"/>
+          <p:cNvPr id="2050" name="Picture 2"/>
           <p:cNvPicPr>
             <a:picLocks noChangeAspect="1" noChangeArrowheads="1"/>
           </p:cNvPicPr>
           <p:nvPr/>
         </p:nvPicPr>
         <p:blipFill>
-          <a:blip r:embed="rId2" cstate="print"/>
+          <a:blip r:embed="rId2"/>
           <a:srcRect/>
           <a:stretch>
             <a:fillRect/>
@@ -3317,8 +3341,8 @@
         </p:blipFill>
         <p:spPr bwMode="auto">
           <a:xfrm>
-            <a:off x="1" y="785795"/>
-            <a:ext cx="9143999" cy="4934919"/>
+            <a:off x="500034" y="897434"/>
+            <a:ext cx="8301045" cy="5960566"/>
           </a:xfrm>
           <a:prstGeom prst="rect">
             <a:avLst/>
@@ -3333,6 +3357,41 @@
           <a:effectLst/>
         </p:spPr>
       </p:pic>
+      <p:sp>
+        <p:nvSpPr>
+          <p:cNvPr id="4" name="TextovéPole 3"/>
+          <p:cNvSpPr txBox="1"/>
+          <p:nvPr/>
+        </p:nvSpPr>
+        <p:spPr>
+          <a:xfrm>
+            <a:off x="3071802" y="428604"/>
+            <a:ext cx="2677528" cy="523220"/>
+          </a:xfrm>
+          <a:prstGeom prst="rect">
+            <a:avLst/>
+          </a:prstGeom>
+          <a:noFill/>
+        </p:spPr>
+        <p:txBody>
+          <a:bodyPr wrap="none" rtlCol="0">
+            <a:spAutoFit/>
+          </a:bodyPr>
+          <a:lstStyle/>
+          <a:p>
+            <a:pPr algn="ctr"/>
+            <a:r>
+              <a:rPr lang="cs-CZ" sz="2800" dirty="0" smtClean="0">
+                <a:latin typeface="Adobe Caslon Pro" pitchFamily="18" charset="-18"/>
+              </a:rPr>
+              <a:t>Use case diagram</a:t>
+            </a:r>
+            <a:endParaRPr lang="cs-CZ" sz="2800" dirty="0">
+              <a:latin typeface="Adobe Caslon Pro" pitchFamily="18" charset="-18"/>
+            </a:endParaRPr>
+          </a:p>
+        </p:txBody>
+      </p:sp>
     </p:spTree>
   </p:cSld>
   <p:clrMapOvr>
@@ -3365,30 +3424,46 @@
           <a:chExt cx="0" cy="0"/>
         </a:xfrm>
       </p:grpSpPr>
-      <p:pic>
-        <p:nvPicPr>
-          <p:cNvPr id="6" name="Obrázek 5" descr="requirements.png"/>
-          <p:cNvPicPr>
-            <a:picLocks noChangeAspect="1"/>
-          </p:cNvPicPr>
+      <p:sp>
+        <p:nvSpPr>
+          <p:cNvPr id="4" name="TextovéPole 3"/>
+          <p:cNvSpPr txBox="1"/>
           <p:nvPr/>
-        </p:nvPicPr>
-        <p:blipFill>
-          <a:blip r:embed="rId2" cstate="print"/>
-          <a:stretch>
-            <a:fillRect/>
-          </a:stretch>
-        </p:blipFill>
+        </p:nvSpPr>
         <p:spPr>
           <a:xfrm>
-            <a:off x="0" y="394172"/>
-            <a:ext cx="9144000" cy="6069656"/>
+            <a:off x="2714612" y="428604"/>
+            <a:ext cx="3490764" cy="523220"/>
           </a:xfrm>
           <a:prstGeom prst="rect">
             <a:avLst/>
           </a:prstGeom>
+          <a:noFill/>
         </p:spPr>
-      </p:pic>
+        <p:txBody>
+          <a:bodyPr wrap="none" rtlCol="0">
+            <a:spAutoFit/>
+          </a:bodyPr>
+          <a:lstStyle/>
+          <a:p>
+            <a:r>
+              <a:rPr lang="cs-CZ" sz="2800" dirty="0" err="1" smtClean="0">
+                <a:latin typeface="Adobe Caslon Pro" pitchFamily="18" charset="-18"/>
+              </a:rPr>
+              <a:t>Requirements</a:t>
+            </a:r>
+            <a:r>
+              <a:rPr lang="cs-CZ" sz="2800" dirty="0" smtClean="0">
+                <a:latin typeface="Adobe Caslon Pro" pitchFamily="18" charset="-18"/>
+              </a:rPr>
+              <a:t> diagram</a:t>
+            </a:r>
+            <a:endParaRPr lang="cs-CZ" sz="2800" dirty="0">
+              <a:latin typeface="Adobe Caslon Pro" pitchFamily="18" charset="-18"/>
+            </a:endParaRPr>
+          </a:p>
+        </p:txBody>
+      </p:sp>
     </p:spTree>
   </p:cSld>
   <p:clrMapOvr>

--- a/promo/Presentation.pptx
+++ b/promo/Presentation.pptx
@@ -3464,6 +3464,39 @@
           </a:p>
         </p:txBody>
       </p:sp>
+      <p:pic>
+        <p:nvPicPr>
+          <p:cNvPr id="1026" name="Picture 2"/>
+          <p:cNvPicPr>
+            <a:picLocks noChangeAspect="1" noChangeArrowheads="1"/>
+          </p:cNvPicPr>
+          <p:nvPr/>
+        </p:nvPicPr>
+        <p:blipFill>
+          <a:blip r:embed="rId2"/>
+          <a:srcRect/>
+          <a:stretch>
+            <a:fillRect/>
+          </a:stretch>
+        </p:blipFill>
+        <p:spPr bwMode="auto">
+          <a:xfrm>
+            <a:off x="0" y="1500174"/>
+            <a:ext cx="9144000" cy="4461683"/>
+          </a:xfrm>
+          <a:prstGeom prst="rect">
+            <a:avLst/>
+          </a:prstGeom>
+          <a:noFill/>
+          <a:ln w="9525">
+            <a:noFill/>
+            <a:miter lim="800000"/>
+            <a:headEnd/>
+            <a:tailEnd/>
+          </a:ln>
+          <a:effectLst/>
+        </p:spPr>
+      </p:pic>
     </p:spTree>
   </p:cSld>
   <p:clrMapOvr>
